--- a/output/hymns/In-Christ-Alone.pptx
+++ b/output/hymns/In-Christ-Alone.pptx
@@ -12,7 +12,6 @@
     <p:sldId r:id="rId12" id="260"/>
     <p:sldId r:id="rId13" id="261"/>
     <p:sldId r:id="rId14" id="262"/>
-    <p:sldId r:id="rId15" id="263"/>
   </p:sldIdLst>
   <p:sldSz cx="9144000" cy="6858000" type="screen4x3"/>
   <p:notesSz cx="6858000" cy="9144000"/>
@@ -509,7 +508,7 @@
           <a:lstStyle/>
           <a:p>
             <a:r>
-              <a:t>  X2</a:t>
+              <a:t>X2</a:t>
             </a:r>
             <a:br/>
             <a:r>
@@ -665,7 +664,7 @@
           <a:lstStyle/>
           <a:p>
             <a:r>
-              <a:t>Intro</a:t>
+              <a:t>Verse 2</a:t>
             </a:r>
             <a:br/>
             <a:r>
@@ -743,7 +742,7 @@
           <a:lstStyle/>
           <a:p>
             <a:r>
-              <a:t>Intro</a:t>
+              <a:t>Verse 3</a:t>
             </a:r>
             <a:br/>
             <a:r>
@@ -821,7 +820,7 @@
           <a:lstStyle/>
           <a:p>
             <a:r>
-              <a:t>Intro</a:t>
+              <a:t>Bridge</a:t>
             </a:r>
             <a:br/>
             <a:r>
@@ -933,84 +932,6 @@
 </file>
 
 <file path=ppt/notesSlides/notesSlide7.xml><?xml version="1.0" encoding="utf-8"?>
-<p:notes xmlns:a="http://schemas.openxmlformats.org/drawingml/2006/main" xmlns:p="http://schemas.openxmlformats.org/presentationml/2006/main" xmlns:r="http://schemas.openxmlformats.org/officeDocument/2006/relationships">
-  <p:cSld>
-    <p:spTree>
-      <p:nvGrpSpPr>
-        <p:cNvPr id="1" name=""/>
-        <p:cNvGrpSpPr/>
-        <p:nvPr/>
-      </p:nvGrpSpPr>
-      <p:grpSpPr>
-        <a:xfrm>
-          <a:off x="0" y="0"/>
-          <a:ext cx="0" cy="0"/>
-          <a:chOff x="0" y="0"/>
-          <a:chExt cx="0" cy="0"/>
-        </a:xfrm>
-      </p:grpSpPr>
-      <p:sp>
-        <p:nvSpPr>
-          <p:cNvPr id="2" name="Slide Image Placeholder 1"/>
-          <p:cNvSpPr>
-            <a:spLocks noGrp="1"/>
-          </p:cNvSpPr>
-          <p:nvPr>
-            <p:ph type="sldImg" idx="2"/>
-          </p:nvPr>
-        </p:nvSpPr>
-        <p:spPr/>
-      </p:sp>
-      <p:sp>
-        <p:nvSpPr>
-          <p:cNvPr id="3" name="Notes Placeholder 2"/>
-          <p:cNvSpPr>
-            <a:spLocks noGrp="1"/>
-          </p:cNvSpPr>
-          <p:nvPr>
-            <p:ph type="body" idx="3" sz="quarter"/>
-          </p:nvPr>
-        </p:nvSpPr>
-        <p:spPr/>
-        <p:txBody>
-          <a:bodyPr/>
-          <a:lstStyle/>
-          <a:p>
-            <a:r>
-              <a:t>Intro</a:t>
-            </a:r>
-            <a:br/>
-            <a:r>
-              <a:t>Writers:  Keith Getty, Stuart Townend</a:t>
-            </a:r>
-            <a:br/>
-            <a:r>
-              <a:t>CCLI:  3350395</a:t>
-            </a:r>
-          </a:p>
-        </p:txBody>
-      </p:sp>
-      <p:sp>
-        <p:nvSpPr>
-          <p:cNvPr id="4" name="Slide Number Placeholder 3"/>
-          <p:cNvSpPr>
-            <a:spLocks noGrp="1"/>
-          </p:cNvSpPr>
-          <p:nvPr>
-            <p:ph type="sldNum" idx="5" sz="quarter"/>
-          </p:nvPr>
-        </p:nvSpPr>
-        <p:spPr/>
-      </p:sp>
-    </p:spTree>
-  </p:cSld>
-  <p:clrMapOvr>
-    <a:masterClrMapping/>
-  </p:clrMapOvr>
-</p:notes>
-</file>
-
-<file path=ppt/notesSlides/notesSlide8.xml><?xml version="1.0" encoding="utf-8"?>
 <p:notes xmlns:a="http://schemas.openxmlformats.org/drawingml/2006/main" xmlns:p="http://schemas.openxmlformats.org/presentationml/2006/main" xmlns:r="http://schemas.openxmlformats.org/officeDocument/2006/relationships">
   <p:cSld>
     <p:spTree>
@@ -4125,7 +4046,7 @@
               <a:defRPr sz="1200"/>
             </a:pPr>
             <a:r>
-              <a:t>  X2</a:t>
+              <a:t>X2</a:t>
             </a:r>
             <a:br/>
             <a:r>
@@ -4298,14 +4219,9 @@
           <a:lstStyle/>
           <a:p/>
           <a:p>
-            <a:br/>
             <a:pPr>
               <a:defRPr sz="2500"/>
             </a:pPr>
-            <a:r>
-              <a:t>Verse 2</a:t>
-            </a:r>
-            <a:br/>
             <a:r>
               <a:t>There in the ground His body lay</a:t>
             </a:r>
@@ -4368,7 +4284,7 @@
               <a:defRPr sz="1200"/>
             </a:pPr>
             <a:r>
-              <a:t>Intro</a:t>
+              <a:t>Verse 2</a:t>
             </a:r>
             <a:br/>
             <a:r>
@@ -4422,14 +4338,9 @@
           <a:lstStyle/>
           <a:p/>
           <a:p>
-            <a:br/>
             <a:pPr>
               <a:defRPr sz="2500"/>
             </a:pPr>
-            <a:r>
-              <a:t>Verse 3</a:t>
-            </a:r>
-            <a:br/>
             <a:r>
               <a:t>No guilt in life, no fear in death</a:t>
             </a:r>
@@ -4492,7 +4403,7 @@
               <a:defRPr sz="1200"/>
             </a:pPr>
             <a:r>
-              <a:t>Intro</a:t>
+              <a:t>Verse 3</a:t>
             </a:r>
             <a:br/>
             <a:r>
@@ -4546,20 +4457,15 @@
           <a:lstStyle/>
           <a:p/>
           <a:p>
-            <a:br/>
             <a:pPr>
               <a:defRPr sz="2500"/>
             </a:pPr>
             <a:r>
-              <a:t>Bridge</a:t>
-            </a:r>
-            <a:br/>
-            <a:r>
               <a:t>I find my strength, I find my hope</a:t>
             </a:r>
             <a:br/>
             <a:r>
-              <a:t> I find my help in Christ alone</a:t>
+              <a:t>I find my help in Christ alone</a:t>
             </a:r>
             <a:br/>
             <a:r>
@@ -4600,7 +4506,7 @@
               <a:defRPr sz="1200"/>
             </a:pPr>
             <a:r>
-              <a:t>Intro</a:t>
+              <a:t>Bridge</a:t>
             </a:r>
             <a:br/>
             <a:r>
@@ -4658,7 +4564,7 @@
               <a:defRPr sz="2500"/>
             </a:pPr>
             <a:r>
-              <a:t> I sing my song  to Christ alone</a:t>
+              <a:t>I sing my song  to Christ alone</a:t>
             </a:r>
             <a:br/>
             <a:r>
@@ -4666,7 +4572,7 @@
             </a:r>
             <a:br/>
             <a:r>
-              <a:t>All heaven sings  to Christ alone </a:t>
+              <a:t>All heaven sings  to Christ alone</a:t>
             </a:r>
             <a:br/>
           </a:p>
@@ -4721,94 +4627,6 @@
 </file>
 
 <file path=ppt/slides/slide7.xml><?xml version="1.0" encoding="utf-8"?>
-<p:sld xmlns:a="http://schemas.openxmlformats.org/drawingml/2006/main" xmlns:p="http://schemas.openxmlformats.org/presentationml/2006/main" xmlns:r="http://schemas.openxmlformats.org/officeDocument/2006/relationships">
-  <p:cSld>
-    <p:spTree>
-      <p:nvGrpSpPr>
-        <p:cNvPr id="1" name=""/>
-        <p:cNvGrpSpPr/>
-        <p:nvPr/>
-      </p:nvGrpSpPr>
-      <p:grpSpPr/>
-      <p:sp>
-        <p:nvSpPr>
-          <p:cNvPr id="2" name="TextBox 1"/>
-          <p:cNvSpPr txBox="1"/>
-          <p:nvPr/>
-        </p:nvSpPr>
-        <p:spPr>
-          <a:xfrm>
-            <a:off x="914400" y="914400"/>
-            <a:ext cx="7315200" cy="914400"/>
-          </a:xfrm>
-          <a:prstGeom prst="rect">
-            <a:avLst/>
-          </a:prstGeom>
-          <a:noFill/>
-        </p:spPr>
-        <p:txBody>
-          <a:bodyPr wrap="none">
-            <a:spAutoFit/>
-          </a:bodyPr>
-          <a:lstStyle/>
-          <a:p/>
-          <a:p>
-            <a:pPr>
-              <a:defRPr sz="2500"/>
-            </a:pPr>
-            <a:br/>
-          </a:p>
-        </p:txBody>
-      </p:sp>
-      <p:sp>
-        <p:nvSpPr>
-          <p:cNvPr id="3" name="TextBox 2"/>
-          <p:cNvSpPr txBox="1"/>
-          <p:nvPr/>
-        </p:nvSpPr>
-        <p:spPr>
-          <a:xfrm>
-            <a:off x="4572000" y="5943600"/>
-            <a:ext cx="914400" cy="914400"/>
-          </a:xfrm>
-          <a:prstGeom prst="rect">
-            <a:avLst/>
-          </a:prstGeom>
-          <a:noFill/>
-        </p:spPr>
-        <p:txBody>
-          <a:bodyPr wrap="none">
-            <a:spAutoFit/>
-          </a:bodyPr>
-          <a:lstStyle/>
-          <a:p/>
-          <a:p>
-            <a:pPr>
-              <a:defRPr sz="1200"/>
-            </a:pPr>
-            <a:r>
-              <a:t>Intro</a:t>
-            </a:r>
-            <a:br/>
-            <a:r>
-              <a:t>Writers:  Keith Getty, Stuart Townend</a:t>
-            </a:r>
-            <a:br/>
-            <a:r>
-              <a:t>CCLI:  3350395</a:t>
-            </a:r>
-          </a:p>
-        </p:txBody>
-      </p:sp>
-    </p:spTree>
-  </p:cSld>
-  <p:clrMapOvr>
-    <a:masterClrMapping/>
-  </p:clrMapOvr>
-</p:sld>
-</file>
-
-<file path=ppt/slides/slide8.xml><?xml version="1.0" encoding="utf-8"?>
 <p:sld xmlns:a="http://schemas.openxmlformats.org/drawingml/2006/main" xmlns:p="http://schemas.openxmlformats.org/presentationml/2006/main" xmlns:r="http://schemas.openxmlformats.org/officeDocument/2006/relationships">
   <p:cSld>
     <p:spTree>

--- a/output/hymns/In-Christ-Alone.pptx
+++ b/output/hymns/In-Christ-Alone.pptx
@@ -508,7 +508,7 @@
           <a:lstStyle/>
           <a:p>
             <a:r>
-              <a:t>X2</a:t>
+              <a:t>Intro</a:t>
             </a:r>
             <a:br/>
             <a:r>
@@ -4016,6 +4016,10 @@
             <a:pPr>
               <a:defRPr sz="2500"/>
             </a:pPr>
+            <a:r>
+              <a:t>X2</a:t>
+            </a:r>
+            <a:br/>
           </a:p>
         </p:txBody>
       </p:sp>
@@ -4046,7 +4050,7 @@
               <a:defRPr sz="1200"/>
             </a:pPr>
             <a:r>
-              <a:t>X2</a:t>
+              <a:t>Intro</a:t>
             </a:r>
             <a:br/>
             <a:r>
